--- a/10_Typescript_Workshop_Angular.pptx
+++ b/10_Typescript_Workshop_Angular.pptx
@@ -8,9 +8,12 @@
     <p:sldId id="259" r:id="rId2"/>
     <p:sldId id="343" r:id="rId3"/>
     <p:sldId id="367" r:id="rId4"/>
-    <p:sldId id="366" r:id="rId5"/>
-    <p:sldId id="365" r:id="rId6"/>
-    <p:sldId id="364" r:id="rId7"/>
+    <p:sldId id="368" r:id="rId5"/>
+    <p:sldId id="369" r:id="rId6"/>
+    <p:sldId id="370" r:id="rId7"/>
+    <p:sldId id="366" r:id="rId8"/>
+    <p:sldId id="365" r:id="rId9"/>
+    <p:sldId id="364" r:id="rId10"/>
   </p:sldIdLst>
   <p:sldSz cx="12195175" cy="6858000"/>
   <p:notesSz cx="6858000" cy="9144000"/>
@@ -145,10 +148,6 @@
     </p:ext>
   </p:extLst>
 </p:presentation>
-</file>
-
-<file path=ppt/revisionInfo.xml><?xml version="1.0" encoding="utf-8"?>
-<p1510:revInfo xmlns:a="http://schemas.openxmlformats.org/drawingml/2006/main" xmlns:r="http://schemas.openxmlformats.org/officeDocument/2006/relationships" xmlns:p1510="http://schemas.microsoft.com/office/powerpoint/2015/10/main"/>
 </file>
 
 <file path=ppt/slideLayouts/slideLayout1.xml><?xml version="1.0" encoding="utf-8"?>
@@ -3765,12 +3764,64 @@
             </a:pPr>
             <a:r>
               <a:rPr lang="en-US" dirty="0"/>
-              <a:t>npm install –g </a:t>
-            </a:r>
-            <a:r>
-              <a:rPr lang="en-US"/>
-              <a:t>@angular/cli</a:t>
-            </a:r>
+              <a:t>npm install –g @angular/cli</a:t>
+            </a:r>
+          </a:p>
+          <a:p>
+            <a:r>
+              <a:rPr lang="de-CH" dirty="0"/>
+              <a:t>N</a:t>
+            </a:r>
+            <a:r>
+              <a:rPr lang="en-US" dirty="0" err="1"/>
+              <a:t>ach</a:t>
+            </a:r>
+            <a:r>
+              <a:rPr lang="en-US" dirty="0"/>
+              <a:t> Installation der Angular CLI:</a:t>
+            </a:r>
+          </a:p>
+          <a:p>
+            <a:pPr marL="457200" lvl="1" indent="0">
+              <a:buNone/>
+            </a:pPr>
+            <a:r>
+              <a:rPr lang="de-CH" dirty="0"/>
+              <a:t>&gt; ng help</a:t>
+            </a:r>
+          </a:p>
+          <a:p>
+            <a:pPr marL="457200" lvl="1" indent="0">
+              <a:buNone/>
+            </a:pPr>
+            <a:r>
+              <a:rPr lang="de-CH" dirty="0"/>
+              <a:t>&gt; ng new my-project</a:t>
+            </a:r>
+          </a:p>
+          <a:p>
+            <a:pPr marL="457200" lvl="1" indent="0">
+              <a:buNone/>
+            </a:pPr>
+            <a:r>
+              <a:rPr lang="de-CH" dirty="0"/>
+              <a:t>&gt; cd my-project</a:t>
+            </a:r>
+          </a:p>
+          <a:p>
+            <a:pPr marL="457200" lvl="1" indent="0">
+              <a:buNone/>
+            </a:pPr>
+            <a:r>
+              <a:rPr lang="de-CH" dirty="0"/>
+              <a:t>&gt; ng serve</a:t>
+            </a:r>
+          </a:p>
+          <a:p>
+            <a:pPr marL="0" indent="0">
+              <a:buNone/>
+            </a:pPr>
+            <a:endParaRPr lang="en-US" dirty="0"/>
           </a:p>
         </p:txBody>
       </p:sp>
@@ -3806,6 +3857,1805 @@
       </p:grpSpPr>
       <p:sp>
         <p:nvSpPr>
+          <p:cNvPr id="2" name="Title 1">
+            <a:extLst>
+              <a:ext uri="{FF2B5EF4-FFF2-40B4-BE49-F238E27FC236}">
+                <a16:creationId xmlns:a16="http://schemas.microsoft.com/office/drawing/2014/main" id="{0396160C-D51B-4C27-A1A4-8B87B337C8FB}"/>
+              </a:ext>
+            </a:extLst>
+          </p:cNvPr>
+          <p:cNvSpPr>
+            <a:spLocks noGrp="1"/>
+          </p:cNvSpPr>
+          <p:nvPr>
+            <p:ph type="title"/>
+          </p:nvPr>
+        </p:nvSpPr>
+        <p:spPr/>
+        <p:txBody>
+          <a:bodyPr/>
+          <a:lstStyle/>
+          <a:p>
+            <a:r>
+              <a:rPr lang="de-CH" dirty="0"/>
+              <a:t>Struktur der erstellten Applikation</a:t>
+            </a:r>
+            <a:endParaRPr lang="en-US" dirty="0"/>
+          </a:p>
+        </p:txBody>
+      </p:sp>
+      <p:sp>
+        <p:nvSpPr>
+          <p:cNvPr id="4" name="Rectangle 3">
+            <a:extLst>
+              <a:ext uri="{FF2B5EF4-FFF2-40B4-BE49-F238E27FC236}">
+                <a16:creationId xmlns:a16="http://schemas.microsoft.com/office/drawing/2014/main" id="{D72B12B6-0908-47EB-924A-F70918DD458B}"/>
+              </a:ext>
+            </a:extLst>
+          </p:cNvPr>
+          <p:cNvSpPr/>
+          <p:nvPr/>
+        </p:nvSpPr>
+        <p:spPr>
+          <a:xfrm>
+            <a:off x="758073" y="3406300"/>
+            <a:ext cx="1927536" cy="1546700"/>
+          </a:xfrm>
+          <a:prstGeom prst="rect">
+            <a:avLst/>
+          </a:prstGeom>
+          <a:solidFill>
+            <a:srgbClr val="2EAADC"/>
+          </a:solidFill>
+          <a:ln w="9525">
+            <a:noFill/>
+          </a:ln>
+        </p:spPr>
+        <p:style>
+          <a:lnRef idx="2">
+            <a:schemeClr val="accent1">
+              <a:shade val="50000"/>
+            </a:schemeClr>
+          </a:lnRef>
+          <a:fillRef idx="1">
+            <a:schemeClr val="accent1"/>
+          </a:fillRef>
+          <a:effectRef idx="0">
+            <a:schemeClr val="accent1"/>
+          </a:effectRef>
+          <a:fontRef idx="minor">
+            <a:schemeClr val="lt1"/>
+          </a:fontRef>
+        </p:style>
+        <p:txBody>
+          <a:bodyPr rtlCol="0" anchor="ctr"/>
+          <a:lstStyle/>
+          <a:p>
+            <a:pPr algn="ctr"/>
+            <a:r>
+              <a:rPr lang="de-CH" sz="2000" dirty="0">
+                <a:solidFill>
+                  <a:schemeClr val="tx1">
+                    <a:lumMod val="50000"/>
+                  </a:schemeClr>
+                </a:solidFill>
+              </a:rPr>
+              <a:t>Index.html</a:t>
+            </a:r>
+            <a:endParaRPr lang="en-US" sz="2000" dirty="0" err="1">
+              <a:solidFill>
+                <a:schemeClr val="tx1">
+                  <a:lumMod val="50000"/>
+                </a:schemeClr>
+              </a:solidFill>
+            </a:endParaRPr>
+          </a:p>
+        </p:txBody>
+      </p:sp>
+      <p:sp>
+        <p:nvSpPr>
+          <p:cNvPr id="5" name="Rectangle 4">
+            <a:extLst>
+              <a:ext uri="{FF2B5EF4-FFF2-40B4-BE49-F238E27FC236}">
+                <a16:creationId xmlns:a16="http://schemas.microsoft.com/office/drawing/2014/main" id="{B8D9AFEF-56A0-41A2-80E5-C79744CD07DF}"/>
+              </a:ext>
+            </a:extLst>
+          </p:cNvPr>
+          <p:cNvSpPr/>
+          <p:nvPr/>
+        </p:nvSpPr>
+        <p:spPr>
+          <a:xfrm>
+            <a:off x="6107735" y="3403945"/>
+            <a:ext cx="1927536" cy="1546700"/>
+          </a:xfrm>
+          <a:prstGeom prst="rect">
+            <a:avLst/>
+          </a:prstGeom>
+          <a:solidFill>
+            <a:srgbClr val="2EAADC"/>
+          </a:solidFill>
+          <a:ln w="9525">
+            <a:noFill/>
+          </a:ln>
+        </p:spPr>
+        <p:style>
+          <a:lnRef idx="2">
+            <a:schemeClr val="accent1">
+              <a:shade val="50000"/>
+            </a:schemeClr>
+          </a:lnRef>
+          <a:fillRef idx="1">
+            <a:schemeClr val="accent1"/>
+          </a:fillRef>
+          <a:effectRef idx="0">
+            <a:schemeClr val="accent1"/>
+          </a:effectRef>
+          <a:fontRef idx="minor">
+            <a:schemeClr val="lt1"/>
+          </a:fontRef>
+        </p:style>
+        <p:txBody>
+          <a:bodyPr rtlCol="0" anchor="ctr"/>
+          <a:lstStyle/>
+          <a:p>
+            <a:pPr algn="ctr"/>
+            <a:r>
+              <a:rPr lang="de-CH" sz="2000" dirty="0">
+                <a:solidFill>
+                  <a:schemeClr val="bg1"/>
+                </a:solidFill>
+              </a:rPr>
+              <a:t>app.module.js</a:t>
+            </a:r>
+            <a:endParaRPr lang="en-US" sz="2000" dirty="0" err="1">
+              <a:solidFill>
+                <a:schemeClr val="bg1"/>
+              </a:solidFill>
+            </a:endParaRPr>
+          </a:p>
+        </p:txBody>
+      </p:sp>
+      <p:sp>
+        <p:nvSpPr>
+          <p:cNvPr id="6" name="Rectangle 5">
+            <a:extLst>
+              <a:ext uri="{FF2B5EF4-FFF2-40B4-BE49-F238E27FC236}">
+                <a16:creationId xmlns:a16="http://schemas.microsoft.com/office/drawing/2014/main" id="{8871DE71-90E6-48A8-A70A-29CB47D994A8}"/>
+              </a:ext>
+            </a:extLst>
+          </p:cNvPr>
+          <p:cNvSpPr/>
+          <p:nvPr/>
+        </p:nvSpPr>
+        <p:spPr>
+          <a:xfrm>
+            <a:off x="3432904" y="3403945"/>
+            <a:ext cx="1927536" cy="1546700"/>
+          </a:xfrm>
+          <a:prstGeom prst="rect">
+            <a:avLst/>
+          </a:prstGeom>
+          <a:solidFill>
+            <a:srgbClr val="2EAADC"/>
+          </a:solidFill>
+          <a:ln w="9525">
+            <a:noFill/>
+          </a:ln>
+        </p:spPr>
+        <p:style>
+          <a:lnRef idx="2">
+            <a:schemeClr val="accent1">
+              <a:shade val="50000"/>
+            </a:schemeClr>
+          </a:lnRef>
+          <a:fillRef idx="1">
+            <a:schemeClr val="accent1"/>
+          </a:fillRef>
+          <a:effectRef idx="0">
+            <a:schemeClr val="accent1"/>
+          </a:effectRef>
+          <a:fontRef idx="minor">
+            <a:schemeClr val="lt1"/>
+          </a:fontRef>
+        </p:style>
+        <p:txBody>
+          <a:bodyPr rtlCol="0" anchor="ctr"/>
+          <a:lstStyle/>
+          <a:p>
+            <a:pPr algn="ctr"/>
+            <a:r>
+              <a:rPr lang="de-CH" sz="2000" dirty="0">
+                <a:solidFill>
+                  <a:schemeClr val="bg1"/>
+                </a:solidFill>
+              </a:rPr>
+              <a:t>main.js</a:t>
+            </a:r>
+            <a:endParaRPr lang="en-US" sz="2000" dirty="0" err="1">
+              <a:solidFill>
+                <a:schemeClr val="bg1"/>
+              </a:solidFill>
+            </a:endParaRPr>
+          </a:p>
+        </p:txBody>
+      </p:sp>
+      <p:sp>
+        <p:nvSpPr>
+          <p:cNvPr id="7" name="Rectangle 6">
+            <a:extLst>
+              <a:ext uri="{FF2B5EF4-FFF2-40B4-BE49-F238E27FC236}">
+                <a16:creationId xmlns:a16="http://schemas.microsoft.com/office/drawing/2014/main" id="{1A46BA33-4858-4549-8542-2306B9E8E8EF}"/>
+              </a:ext>
+            </a:extLst>
+          </p:cNvPr>
+          <p:cNvSpPr/>
+          <p:nvPr/>
+        </p:nvSpPr>
+        <p:spPr>
+          <a:xfrm>
+            <a:off x="8698021" y="3403945"/>
+            <a:ext cx="2504965" cy="1546700"/>
+          </a:xfrm>
+          <a:prstGeom prst="rect">
+            <a:avLst/>
+          </a:prstGeom>
+          <a:solidFill>
+            <a:srgbClr val="2EAADC"/>
+          </a:solidFill>
+          <a:ln w="9525">
+            <a:noFill/>
+          </a:ln>
+        </p:spPr>
+        <p:style>
+          <a:lnRef idx="2">
+            <a:schemeClr val="accent1">
+              <a:shade val="50000"/>
+            </a:schemeClr>
+          </a:lnRef>
+          <a:fillRef idx="1">
+            <a:schemeClr val="accent1"/>
+          </a:fillRef>
+          <a:effectRef idx="0">
+            <a:schemeClr val="accent1"/>
+          </a:effectRef>
+          <a:fontRef idx="minor">
+            <a:schemeClr val="lt1"/>
+          </a:fontRef>
+        </p:style>
+        <p:txBody>
+          <a:bodyPr rtlCol="0" anchor="ctr"/>
+          <a:lstStyle/>
+          <a:p>
+            <a:pPr algn="ctr"/>
+            <a:r>
+              <a:rPr lang="de-CH" sz="2000" dirty="0">
+                <a:solidFill>
+                  <a:schemeClr val="bg1"/>
+                </a:solidFill>
+              </a:rPr>
+              <a:t>app.component.js</a:t>
+            </a:r>
+            <a:endParaRPr lang="en-US" sz="2000" dirty="0" err="1">
+              <a:solidFill>
+                <a:schemeClr val="bg1"/>
+              </a:solidFill>
+            </a:endParaRPr>
+          </a:p>
+        </p:txBody>
+      </p:sp>
+      <p:cxnSp>
+        <p:nvCxnSpPr>
+          <p:cNvPr id="8" name="Straight Connector 7">
+            <a:extLst>
+              <a:ext uri="{FF2B5EF4-FFF2-40B4-BE49-F238E27FC236}">
+                <a16:creationId xmlns:a16="http://schemas.microsoft.com/office/drawing/2014/main" id="{09871DB7-65E5-4DC2-AE44-5095E33D84FF}"/>
+              </a:ext>
+            </a:extLst>
+          </p:cNvPr>
+          <p:cNvCxnSpPr>
+            <a:stCxn id="4" idx="3"/>
+            <a:endCxn id="6" idx="1"/>
+          </p:cNvCxnSpPr>
+          <p:nvPr/>
+        </p:nvCxnSpPr>
+        <p:spPr>
+          <a:xfrm flipV="1">
+            <a:off x="2685609" y="4177296"/>
+            <a:ext cx="747295" cy="2355"/>
+          </a:xfrm>
+          <a:prstGeom prst="line">
+            <a:avLst/>
+          </a:prstGeom>
+          <a:ln w="38100">
+            <a:solidFill>
+              <a:schemeClr val="tx1"/>
+            </a:solidFill>
+            <a:headEnd type="none" w="med" len="med"/>
+            <a:tailEnd type="arrow" w="med" len="med"/>
+          </a:ln>
+        </p:spPr>
+        <p:style>
+          <a:lnRef idx="1">
+            <a:schemeClr val="accent1"/>
+          </a:lnRef>
+          <a:fillRef idx="0">
+            <a:schemeClr val="accent1"/>
+          </a:fillRef>
+          <a:effectRef idx="0">
+            <a:schemeClr val="accent1"/>
+          </a:effectRef>
+          <a:fontRef idx="minor">
+            <a:schemeClr val="tx1"/>
+          </a:fontRef>
+        </p:style>
+      </p:cxnSp>
+      <p:cxnSp>
+        <p:nvCxnSpPr>
+          <p:cNvPr id="9" name="Straight Connector 8">
+            <a:extLst>
+              <a:ext uri="{FF2B5EF4-FFF2-40B4-BE49-F238E27FC236}">
+                <a16:creationId xmlns:a16="http://schemas.microsoft.com/office/drawing/2014/main" id="{0F7D618F-BD4C-4849-B9CD-6883DD35E12F}"/>
+              </a:ext>
+            </a:extLst>
+          </p:cNvPr>
+          <p:cNvCxnSpPr/>
+          <p:nvPr/>
+        </p:nvCxnSpPr>
+        <p:spPr>
+          <a:xfrm flipV="1">
+            <a:off x="5360440" y="4174939"/>
+            <a:ext cx="747295" cy="2355"/>
+          </a:xfrm>
+          <a:prstGeom prst="line">
+            <a:avLst/>
+          </a:prstGeom>
+          <a:ln w="38100">
+            <a:solidFill>
+              <a:schemeClr val="tx1"/>
+            </a:solidFill>
+            <a:headEnd type="none" w="med" len="med"/>
+            <a:tailEnd type="arrow" w="med" len="med"/>
+          </a:ln>
+        </p:spPr>
+        <p:style>
+          <a:lnRef idx="1">
+            <a:schemeClr val="accent1"/>
+          </a:lnRef>
+          <a:fillRef idx="0">
+            <a:schemeClr val="accent1"/>
+          </a:fillRef>
+          <a:effectRef idx="0">
+            <a:schemeClr val="accent1"/>
+          </a:effectRef>
+          <a:fontRef idx="minor">
+            <a:schemeClr val="tx1"/>
+          </a:fontRef>
+        </p:style>
+      </p:cxnSp>
+      <p:cxnSp>
+        <p:nvCxnSpPr>
+          <p:cNvPr id="10" name="Straight Connector 9">
+            <a:extLst>
+              <a:ext uri="{FF2B5EF4-FFF2-40B4-BE49-F238E27FC236}">
+                <a16:creationId xmlns:a16="http://schemas.microsoft.com/office/drawing/2014/main" id="{8B047124-385E-431F-A2C8-46EEFC46A1EC}"/>
+              </a:ext>
+            </a:extLst>
+          </p:cNvPr>
+          <p:cNvCxnSpPr>
+            <a:endCxn id="7" idx="1"/>
+          </p:cNvCxnSpPr>
+          <p:nvPr/>
+        </p:nvCxnSpPr>
+        <p:spPr>
+          <a:xfrm>
+            <a:off x="8035270" y="4177294"/>
+            <a:ext cx="662751" cy="2"/>
+          </a:xfrm>
+          <a:prstGeom prst="line">
+            <a:avLst/>
+          </a:prstGeom>
+          <a:ln w="38100">
+            <a:solidFill>
+              <a:schemeClr val="tx1"/>
+            </a:solidFill>
+            <a:headEnd type="none" w="med" len="med"/>
+            <a:tailEnd type="arrow" w="med" len="med"/>
+          </a:ln>
+        </p:spPr>
+        <p:style>
+          <a:lnRef idx="1">
+            <a:schemeClr val="accent1"/>
+          </a:lnRef>
+          <a:fillRef idx="0">
+            <a:schemeClr val="accent1"/>
+          </a:fillRef>
+          <a:effectRef idx="0">
+            <a:schemeClr val="accent1"/>
+          </a:effectRef>
+          <a:fontRef idx="minor">
+            <a:schemeClr val="tx1"/>
+          </a:fontRef>
+        </p:style>
+      </p:cxnSp>
+      <p:sp>
+        <p:nvSpPr>
+          <p:cNvPr id="11" name="Rectangle 10">
+            <a:extLst>
+              <a:ext uri="{FF2B5EF4-FFF2-40B4-BE49-F238E27FC236}">
+                <a16:creationId xmlns:a16="http://schemas.microsoft.com/office/drawing/2014/main" id="{FFC3EC89-44AB-417D-8210-0F09F7C64173}"/>
+              </a:ext>
+            </a:extLst>
+          </p:cNvPr>
+          <p:cNvSpPr/>
+          <p:nvPr/>
+        </p:nvSpPr>
+        <p:spPr>
+          <a:xfrm>
+            <a:off x="3432904" y="1357535"/>
+            <a:ext cx="1927536" cy="947554"/>
+          </a:xfrm>
+          <a:prstGeom prst="rect">
+            <a:avLst/>
+          </a:prstGeom>
+          <a:solidFill>
+            <a:srgbClr val="2EAADC"/>
+          </a:solidFill>
+          <a:ln w="9525">
+            <a:noFill/>
+          </a:ln>
+        </p:spPr>
+        <p:style>
+          <a:lnRef idx="2">
+            <a:schemeClr val="accent1">
+              <a:shade val="50000"/>
+            </a:schemeClr>
+          </a:lnRef>
+          <a:fillRef idx="1">
+            <a:schemeClr val="accent1"/>
+          </a:fillRef>
+          <a:effectRef idx="0">
+            <a:schemeClr val="accent1"/>
+          </a:effectRef>
+          <a:fontRef idx="minor">
+            <a:schemeClr val="lt1"/>
+          </a:fontRef>
+        </p:style>
+        <p:txBody>
+          <a:bodyPr rtlCol="0" anchor="ctr"/>
+          <a:lstStyle/>
+          <a:p>
+            <a:pPr algn="ctr"/>
+            <a:r>
+              <a:rPr lang="de-CH" sz="2000" dirty="0">
+                <a:solidFill>
+                  <a:schemeClr val="bg1"/>
+                </a:solidFill>
+              </a:rPr>
+              <a:t>main.ts</a:t>
+            </a:r>
+            <a:endParaRPr lang="en-US" sz="2000" dirty="0" err="1">
+              <a:solidFill>
+                <a:schemeClr val="bg1"/>
+              </a:solidFill>
+            </a:endParaRPr>
+          </a:p>
+        </p:txBody>
+      </p:sp>
+      <p:sp>
+        <p:nvSpPr>
+          <p:cNvPr id="12" name="Rectangle 11">
+            <a:extLst>
+              <a:ext uri="{FF2B5EF4-FFF2-40B4-BE49-F238E27FC236}">
+                <a16:creationId xmlns:a16="http://schemas.microsoft.com/office/drawing/2014/main" id="{FD066675-0618-4E70-BE15-40324A3337CD}"/>
+              </a:ext>
+            </a:extLst>
+          </p:cNvPr>
+          <p:cNvSpPr/>
+          <p:nvPr/>
+        </p:nvSpPr>
+        <p:spPr>
+          <a:xfrm>
+            <a:off x="6107736" y="1357537"/>
+            <a:ext cx="1927536" cy="947554"/>
+          </a:xfrm>
+          <a:prstGeom prst="rect">
+            <a:avLst/>
+          </a:prstGeom>
+          <a:solidFill>
+            <a:srgbClr val="2EAADC"/>
+          </a:solidFill>
+          <a:ln w="9525">
+            <a:noFill/>
+          </a:ln>
+        </p:spPr>
+        <p:style>
+          <a:lnRef idx="2">
+            <a:schemeClr val="accent1">
+              <a:shade val="50000"/>
+            </a:schemeClr>
+          </a:lnRef>
+          <a:fillRef idx="1">
+            <a:schemeClr val="accent1"/>
+          </a:fillRef>
+          <a:effectRef idx="0">
+            <a:schemeClr val="accent1"/>
+          </a:effectRef>
+          <a:fontRef idx="minor">
+            <a:schemeClr val="lt1"/>
+          </a:fontRef>
+        </p:style>
+        <p:txBody>
+          <a:bodyPr rtlCol="0" anchor="ctr"/>
+          <a:lstStyle/>
+          <a:p>
+            <a:pPr algn="ctr"/>
+            <a:r>
+              <a:rPr lang="de-CH" sz="2000" dirty="0">
+                <a:solidFill>
+                  <a:schemeClr val="bg1"/>
+                </a:solidFill>
+              </a:rPr>
+              <a:t>app.module.ts</a:t>
+            </a:r>
+            <a:endParaRPr lang="en-US" sz="2000" dirty="0" err="1">
+              <a:solidFill>
+                <a:schemeClr val="bg1"/>
+              </a:solidFill>
+            </a:endParaRPr>
+          </a:p>
+        </p:txBody>
+      </p:sp>
+      <p:sp>
+        <p:nvSpPr>
+          <p:cNvPr id="13" name="Rectangle 12">
+            <a:extLst>
+              <a:ext uri="{FF2B5EF4-FFF2-40B4-BE49-F238E27FC236}">
+                <a16:creationId xmlns:a16="http://schemas.microsoft.com/office/drawing/2014/main" id="{8AFAA160-19C7-413D-8374-6542479894A9}"/>
+              </a:ext>
+            </a:extLst>
+          </p:cNvPr>
+          <p:cNvSpPr/>
+          <p:nvPr/>
+        </p:nvSpPr>
+        <p:spPr>
+          <a:xfrm>
+            <a:off x="8698022" y="1357537"/>
+            <a:ext cx="2504965" cy="947554"/>
+          </a:xfrm>
+          <a:prstGeom prst="rect">
+            <a:avLst/>
+          </a:prstGeom>
+          <a:solidFill>
+            <a:srgbClr val="2EAADC"/>
+          </a:solidFill>
+          <a:ln w="9525">
+            <a:noFill/>
+          </a:ln>
+        </p:spPr>
+        <p:style>
+          <a:lnRef idx="2">
+            <a:schemeClr val="accent1">
+              <a:shade val="50000"/>
+            </a:schemeClr>
+          </a:lnRef>
+          <a:fillRef idx="1">
+            <a:schemeClr val="accent1"/>
+          </a:fillRef>
+          <a:effectRef idx="0">
+            <a:schemeClr val="accent1"/>
+          </a:effectRef>
+          <a:fontRef idx="minor">
+            <a:schemeClr val="lt1"/>
+          </a:fontRef>
+        </p:style>
+        <p:txBody>
+          <a:bodyPr rtlCol="0" anchor="ctr"/>
+          <a:lstStyle/>
+          <a:p>
+            <a:pPr algn="ctr"/>
+            <a:r>
+              <a:rPr lang="de-CH" sz="2000" dirty="0">
+                <a:solidFill>
+                  <a:schemeClr val="bg1"/>
+                </a:solidFill>
+              </a:rPr>
+              <a:t>app.component.ts</a:t>
+            </a:r>
+            <a:endParaRPr lang="en-US" sz="2000" dirty="0" err="1">
+              <a:solidFill>
+                <a:schemeClr val="bg1"/>
+              </a:solidFill>
+            </a:endParaRPr>
+          </a:p>
+        </p:txBody>
+      </p:sp>
+      <p:sp>
+        <p:nvSpPr>
+          <p:cNvPr id="14" name="Rectangle 13">
+            <a:extLst>
+              <a:ext uri="{FF2B5EF4-FFF2-40B4-BE49-F238E27FC236}">
+                <a16:creationId xmlns:a16="http://schemas.microsoft.com/office/drawing/2014/main" id="{C3B2260B-AAB5-4F71-9E94-E7333D520403}"/>
+              </a:ext>
+            </a:extLst>
+          </p:cNvPr>
+          <p:cNvSpPr/>
+          <p:nvPr/>
+        </p:nvSpPr>
+        <p:spPr>
+          <a:xfrm>
+            <a:off x="3432904" y="2592249"/>
+            <a:ext cx="7770082" cy="532592"/>
+          </a:xfrm>
+          <a:prstGeom prst="rect">
+            <a:avLst/>
+          </a:prstGeom>
+          <a:solidFill>
+            <a:schemeClr val="bg1">
+              <a:lumMod val="65000"/>
+            </a:schemeClr>
+          </a:solidFill>
+          <a:ln w="9525">
+            <a:noFill/>
+          </a:ln>
+        </p:spPr>
+        <p:style>
+          <a:lnRef idx="2">
+            <a:schemeClr val="accent1">
+              <a:shade val="50000"/>
+            </a:schemeClr>
+          </a:lnRef>
+          <a:fillRef idx="1">
+            <a:schemeClr val="accent1"/>
+          </a:fillRef>
+          <a:effectRef idx="0">
+            <a:schemeClr val="accent1"/>
+          </a:effectRef>
+          <a:fontRef idx="minor">
+            <a:schemeClr val="lt1"/>
+          </a:fontRef>
+        </p:style>
+        <p:txBody>
+          <a:bodyPr rtlCol="0" anchor="ctr"/>
+          <a:lstStyle/>
+          <a:p>
+            <a:pPr algn="ctr"/>
+            <a:r>
+              <a:rPr lang="de-CH" sz="2000" dirty="0">
+                <a:solidFill>
+                  <a:schemeClr val="bg2">
+                    <a:lumMod val="10000"/>
+                  </a:schemeClr>
+                </a:solidFill>
+              </a:rPr>
+              <a:t>Transpile</a:t>
+            </a:r>
+            <a:endParaRPr lang="en-US" sz="2000" dirty="0" err="1">
+              <a:solidFill>
+                <a:schemeClr val="bg2">
+                  <a:lumMod val="10000"/>
+                </a:schemeClr>
+              </a:solidFill>
+            </a:endParaRPr>
+          </a:p>
+        </p:txBody>
+      </p:sp>
+    </p:spTree>
+    <p:extLst>
+      <p:ext uri="{BB962C8B-B14F-4D97-AF65-F5344CB8AC3E}">
+        <p14:creationId xmlns:p14="http://schemas.microsoft.com/office/powerpoint/2010/main" val="2433522622"/>
+      </p:ext>
+    </p:extLst>
+  </p:cSld>
+  <p:clrMapOvr>
+    <a:masterClrMapping/>
+  </p:clrMapOvr>
+</p:sld>
+</file>
+
+<file path=ppt/slides/slide5.xml><?xml version="1.0" encoding="utf-8"?>
+<p:sld xmlns:a="http://schemas.openxmlformats.org/drawingml/2006/main" xmlns:r="http://schemas.openxmlformats.org/officeDocument/2006/relationships" xmlns:p="http://schemas.openxmlformats.org/presentationml/2006/main">
+  <p:cSld>
+    <p:spTree>
+      <p:nvGrpSpPr>
+        <p:cNvPr id="1" name=""/>
+        <p:cNvGrpSpPr/>
+        <p:nvPr/>
+      </p:nvGrpSpPr>
+      <p:grpSpPr>
+        <a:xfrm>
+          <a:off x="0" y="0"/>
+          <a:ext cx="0" cy="0"/>
+          <a:chOff x="0" y="0"/>
+          <a:chExt cx="0" cy="0"/>
+        </a:xfrm>
+      </p:grpSpPr>
+      <p:sp>
+        <p:nvSpPr>
+          <p:cNvPr id="2" name="Title 1">
+            <a:extLst>
+              <a:ext uri="{FF2B5EF4-FFF2-40B4-BE49-F238E27FC236}">
+                <a16:creationId xmlns:a16="http://schemas.microsoft.com/office/drawing/2014/main" id="{AFF22597-2846-43BE-8C58-AC6923BB7052}"/>
+              </a:ext>
+            </a:extLst>
+          </p:cNvPr>
+          <p:cNvSpPr>
+            <a:spLocks noGrp="1"/>
+          </p:cNvSpPr>
+          <p:nvPr>
+            <p:ph type="title"/>
+          </p:nvPr>
+        </p:nvSpPr>
+        <p:spPr/>
+        <p:txBody>
+          <a:bodyPr/>
+          <a:lstStyle/>
+          <a:p>
+            <a:r>
+              <a:rPr lang="de-CH" dirty="0"/>
+              <a:t>Angular Komponenten</a:t>
+            </a:r>
+            <a:endParaRPr lang="en-US" dirty="0"/>
+          </a:p>
+        </p:txBody>
+      </p:sp>
+      <p:sp>
+        <p:nvSpPr>
+          <p:cNvPr id="3" name="Content Placeholder 2">
+            <a:extLst>
+              <a:ext uri="{FF2B5EF4-FFF2-40B4-BE49-F238E27FC236}">
+                <a16:creationId xmlns:a16="http://schemas.microsoft.com/office/drawing/2014/main" id="{703469A0-92B1-4348-AF99-725967121CAB}"/>
+              </a:ext>
+            </a:extLst>
+          </p:cNvPr>
+          <p:cNvSpPr>
+            <a:spLocks noGrp="1"/>
+          </p:cNvSpPr>
+          <p:nvPr>
+            <p:ph idx="1"/>
+          </p:nvPr>
+        </p:nvSpPr>
+        <p:spPr/>
+        <p:txBody>
+          <a:bodyPr/>
+          <a:lstStyle/>
+          <a:p>
+            <a:endParaRPr lang="en-US"/>
+          </a:p>
+        </p:txBody>
+      </p:sp>
+      <p:grpSp>
+        <p:nvGrpSpPr>
+          <p:cNvPr id="12" name="Group 11">
+            <a:extLst>
+              <a:ext uri="{FF2B5EF4-FFF2-40B4-BE49-F238E27FC236}">
+                <a16:creationId xmlns:a16="http://schemas.microsoft.com/office/drawing/2014/main" id="{044A0E45-3934-4630-AB5A-5F45B0EBFD7E}"/>
+              </a:ext>
+            </a:extLst>
+          </p:cNvPr>
+          <p:cNvGrpSpPr/>
+          <p:nvPr/>
+        </p:nvGrpSpPr>
+        <p:grpSpPr>
+          <a:xfrm>
+            <a:off x="1830387" y="1323561"/>
+            <a:ext cx="9019146" cy="4406895"/>
+            <a:chOff x="964641" y="927105"/>
+            <a:chExt cx="7355394" cy="3271833"/>
+          </a:xfrm>
+        </p:grpSpPr>
+        <p:sp>
+          <p:nvSpPr>
+            <p:cNvPr id="8" name="Rectangle 7">
+              <a:extLst>
+                <a:ext uri="{FF2B5EF4-FFF2-40B4-BE49-F238E27FC236}">
+                  <a16:creationId xmlns:a16="http://schemas.microsoft.com/office/drawing/2014/main" id="{6C619E0A-FB20-4FDB-BC96-FF35040457EA}"/>
+                </a:ext>
+              </a:extLst>
+            </p:cNvPr>
+            <p:cNvSpPr/>
+            <p:nvPr/>
+          </p:nvSpPr>
+          <p:spPr>
+            <a:xfrm>
+              <a:off x="964641" y="927105"/>
+              <a:ext cx="7355394" cy="3271833"/>
+            </a:xfrm>
+            <a:prstGeom prst="rect">
+              <a:avLst/>
+            </a:prstGeom>
+            <a:solidFill>
+              <a:srgbClr val="00B0F0"/>
+            </a:solidFill>
+            <a:ln w="9525" cap="flat" cmpd="sng" algn="ctr">
+              <a:solidFill>
+                <a:srgbClr val="9D9D9D"/>
+              </a:solidFill>
+              <a:prstDash val="solid"/>
+            </a:ln>
+            <a:effectLst/>
+          </p:spPr>
+          <p:txBody>
+            <a:bodyPr rtlCol="0" anchor="t"/>
+            <a:lstStyle/>
+            <a:p>
+              <a:pPr marL="0" marR="0" lvl="0" indent="0" algn="ctr" defTabSz="914400" eaLnBrk="1" fontAlgn="auto" latinLnBrk="0" hangingPunct="1">
+                <a:lnSpc>
+                  <a:spcPct val="100000"/>
+                </a:lnSpc>
+                <a:spcBef>
+                  <a:spcPts val="0"/>
+                </a:spcBef>
+                <a:spcAft>
+                  <a:spcPts val="0"/>
+                </a:spcAft>
+                <a:buClrTx/>
+                <a:buSzTx/>
+                <a:buFontTx/>
+                <a:buNone/>
+                <a:tabLst/>
+                <a:defRPr/>
+              </a:pPr>
+              <a:r>
+                <a:rPr kumimoji="0" lang="de-CH" sz="2600" b="1" i="0" u="none" strike="noStrike" kern="0" cap="none" spc="0" normalizeH="0" baseline="0" noProof="0" dirty="0">
+                  <a:ln>
+                    <a:noFill/>
+                  </a:ln>
+                  <a:solidFill>
+                    <a:srgbClr val="FFFFFF"/>
+                  </a:solidFill>
+                  <a:effectLst/>
+                  <a:uLnTx/>
+                  <a:uFillTx/>
+                  <a:latin typeface="Segoe UI"/>
+                  <a:ea typeface="+mn-ea"/>
+                  <a:cs typeface="Arial" panose="020B0604020202020204" pitchFamily="34" charset="0"/>
+                </a:rPr>
+                <a:t>Component</a:t>
+              </a:r>
+              <a:endParaRPr kumimoji="0" lang="en-US" sz="2600" b="1" i="0" u="none" strike="noStrike" kern="0" cap="none" spc="0" normalizeH="0" baseline="0" noProof="0" dirty="0" err="1">
+                <a:ln>
+                  <a:noFill/>
+                </a:ln>
+                <a:solidFill>
+                  <a:srgbClr val="FFFFFF"/>
+                </a:solidFill>
+                <a:effectLst/>
+                <a:uLnTx/>
+                <a:uFillTx/>
+                <a:latin typeface="Segoe UI"/>
+                <a:ea typeface="+mn-ea"/>
+                <a:cs typeface="Arial" panose="020B0604020202020204" pitchFamily="34" charset="0"/>
+              </a:endParaRPr>
+            </a:p>
+          </p:txBody>
+        </p:sp>
+        <p:sp>
+          <p:nvSpPr>
+            <p:cNvPr id="9" name="Rectangle 8">
+              <a:extLst>
+                <a:ext uri="{FF2B5EF4-FFF2-40B4-BE49-F238E27FC236}">
+                  <a16:creationId xmlns:a16="http://schemas.microsoft.com/office/drawing/2014/main" id="{BE03333E-5F78-4DB4-9D16-5EB76A1C1F29}"/>
+                </a:ext>
+              </a:extLst>
+            </p:cNvPr>
+            <p:cNvSpPr/>
+            <p:nvPr/>
+          </p:nvSpPr>
+          <p:spPr>
+            <a:xfrm>
+              <a:off x="1569020" y="1415594"/>
+              <a:ext cx="6107921" cy="884255"/>
+            </a:xfrm>
+            <a:prstGeom prst="rect">
+              <a:avLst/>
+            </a:prstGeom>
+            <a:solidFill>
+              <a:srgbClr val="FFFFFF"/>
+            </a:solidFill>
+            <a:ln w="9525" cap="flat" cmpd="sng" algn="ctr">
+              <a:noFill/>
+              <a:prstDash val="solid"/>
+            </a:ln>
+            <a:effectLst/>
+          </p:spPr>
+          <p:txBody>
+            <a:bodyPr rtlCol="0" anchor="ctr"/>
+            <a:lstStyle/>
+            <a:p>
+              <a:pPr marL="0" marR="0" lvl="0" indent="0" algn="ctr" defTabSz="914400" eaLnBrk="1" fontAlgn="auto" latinLnBrk="0" hangingPunct="1">
+                <a:lnSpc>
+                  <a:spcPct val="100000"/>
+                </a:lnSpc>
+                <a:spcBef>
+                  <a:spcPts val="0"/>
+                </a:spcBef>
+                <a:spcAft>
+                  <a:spcPts val="0"/>
+                </a:spcAft>
+                <a:buClrTx/>
+                <a:buSzTx/>
+                <a:buFontTx/>
+                <a:buNone/>
+                <a:tabLst/>
+                <a:defRPr/>
+              </a:pPr>
+              <a:r>
+                <a:rPr kumimoji="0" lang="de-CH" sz="2600" b="0" i="0" u="none" strike="noStrike" kern="0" cap="none" spc="0" normalizeH="0" baseline="0" noProof="0" dirty="0">
+                  <a:ln>
+                    <a:noFill/>
+                  </a:ln>
+                  <a:solidFill>
+                    <a:srgbClr val="636466"/>
+                  </a:solidFill>
+                  <a:effectLst/>
+                  <a:uLnTx/>
+                  <a:uFillTx/>
+                  <a:latin typeface="Segoe UI"/>
+                  <a:ea typeface="+mn-ea"/>
+                  <a:cs typeface="Arial" panose="020B0604020202020204" pitchFamily="34" charset="0"/>
+                </a:rPr>
+                <a:t>Template (HTML)</a:t>
+              </a:r>
+              <a:endParaRPr kumimoji="0" lang="en-US" sz="2600" b="0" i="0" u="none" strike="noStrike" kern="0" cap="none" spc="0" normalizeH="0" baseline="0" noProof="0" dirty="0" err="1">
+                <a:ln>
+                  <a:noFill/>
+                </a:ln>
+                <a:solidFill>
+                  <a:srgbClr val="636466"/>
+                </a:solidFill>
+                <a:effectLst/>
+                <a:uLnTx/>
+                <a:uFillTx/>
+                <a:latin typeface="Segoe UI"/>
+                <a:ea typeface="+mn-ea"/>
+                <a:cs typeface="Arial" panose="020B0604020202020204" pitchFamily="34" charset="0"/>
+              </a:endParaRPr>
+            </a:p>
+          </p:txBody>
+        </p:sp>
+        <p:sp>
+          <p:nvSpPr>
+            <p:cNvPr id="10" name="Rectangle 9">
+              <a:extLst>
+                <a:ext uri="{FF2B5EF4-FFF2-40B4-BE49-F238E27FC236}">
+                  <a16:creationId xmlns:a16="http://schemas.microsoft.com/office/drawing/2014/main" id="{6EEC5D75-EFDA-46B7-85BF-2EBE44F78229}"/>
+                </a:ext>
+              </a:extLst>
+            </p:cNvPr>
+            <p:cNvSpPr/>
+            <p:nvPr/>
+          </p:nvSpPr>
+          <p:spPr>
+            <a:xfrm>
+              <a:off x="1569019" y="3075247"/>
+              <a:ext cx="6107922" cy="884255"/>
+            </a:xfrm>
+            <a:prstGeom prst="rect">
+              <a:avLst/>
+            </a:prstGeom>
+            <a:solidFill>
+              <a:srgbClr val="636466">
+                <a:lumMod val="75000"/>
+              </a:srgbClr>
+            </a:solidFill>
+            <a:ln w="9525" cap="flat" cmpd="sng" algn="ctr">
+              <a:noFill/>
+              <a:prstDash val="solid"/>
+            </a:ln>
+            <a:effectLst/>
+          </p:spPr>
+          <p:txBody>
+            <a:bodyPr rtlCol="0" anchor="ctr"/>
+            <a:lstStyle/>
+            <a:p>
+              <a:pPr marL="0" marR="0" lvl="0" indent="0" algn="ctr" defTabSz="914400" eaLnBrk="1" fontAlgn="auto" latinLnBrk="0" hangingPunct="1">
+                <a:lnSpc>
+                  <a:spcPct val="100000"/>
+                </a:lnSpc>
+                <a:spcBef>
+                  <a:spcPts val="0"/>
+                </a:spcBef>
+                <a:spcAft>
+                  <a:spcPts val="0"/>
+                </a:spcAft>
+                <a:buClrTx/>
+                <a:buSzTx/>
+                <a:buFontTx/>
+                <a:buNone/>
+                <a:tabLst/>
+                <a:defRPr/>
+              </a:pPr>
+              <a:r>
+                <a:rPr kumimoji="0" lang="de-CH" sz="2600" b="0" i="0" u="none" strike="noStrike" kern="0" cap="none" spc="0" normalizeH="0" baseline="0" noProof="0" dirty="0">
+                  <a:ln>
+                    <a:noFill/>
+                  </a:ln>
+                  <a:solidFill>
+                    <a:srgbClr val="FFFFFF"/>
+                  </a:solidFill>
+                  <a:effectLst/>
+                  <a:uLnTx/>
+                  <a:uFillTx/>
+                  <a:latin typeface="Segoe UI"/>
+                  <a:ea typeface="+mn-ea"/>
+                  <a:cs typeface="Arial" panose="020B0604020202020204" pitchFamily="34" charset="0"/>
+                </a:rPr>
+                <a:t>Class</a:t>
+              </a:r>
+              <a:endParaRPr kumimoji="0" lang="en-US" sz="2600" b="0" i="0" u="none" strike="noStrike" kern="0" cap="none" spc="0" normalizeH="0" baseline="0" noProof="0" dirty="0" err="1">
+                <a:ln>
+                  <a:noFill/>
+                </a:ln>
+                <a:solidFill>
+                  <a:srgbClr val="FFFFFF"/>
+                </a:solidFill>
+                <a:effectLst/>
+                <a:uLnTx/>
+                <a:uFillTx/>
+                <a:latin typeface="Segoe UI"/>
+                <a:ea typeface="+mn-ea"/>
+                <a:cs typeface="Arial" panose="020B0604020202020204" pitchFamily="34" charset="0"/>
+              </a:endParaRPr>
+            </a:p>
+          </p:txBody>
+        </p:sp>
+        <p:sp>
+          <p:nvSpPr>
+            <p:cNvPr id="11" name="Rectangle 10">
+              <a:extLst>
+                <a:ext uri="{FF2B5EF4-FFF2-40B4-BE49-F238E27FC236}">
+                  <a16:creationId xmlns:a16="http://schemas.microsoft.com/office/drawing/2014/main" id="{AAF88C60-89BC-4E17-876D-D92FB371D14F}"/>
+                </a:ext>
+              </a:extLst>
+            </p:cNvPr>
+            <p:cNvSpPr/>
+            <p:nvPr/>
+          </p:nvSpPr>
+          <p:spPr>
+            <a:xfrm>
+              <a:off x="1569019" y="2490220"/>
+              <a:ext cx="6107922" cy="394655"/>
+            </a:xfrm>
+            <a:prstGeom prst="rect">
+              <a:avLst/>
+            </a:prstGeom>
+            <a:solidFill>
+              <a:srgbClr val="9D9D9D">
+                <a:lumMod val="75000"/>
+              </a:srgbClr>
+            </a:solidFill>
+            <a:ln w="9525" cap="flat" cmpd="sng" algn="ctr">
+              <a:noFill/>
+              <a:prstDash val="solid"/>
+            </a:ln>
+            <a:effectLst/>
+          </p:spPr>
+          <p:txBody>
+            <a:bodyPr rtlCol="0" anchor="ctr"/>
+            <a:lstStyle/>
+            <a:p>
+              <a:pPr marL="0" marR="0" lvl="0" indent="0" algn="ctr" defTabSz="914400" eaLnBrk="1" fontAlgn="auto" latinLnBrk="0" hangingPunct="1">
+                <a:lnSpc>
+                  <a:spcPct val="100000"/>
+                </a:lnSpc>
+                <a:spcBef>
+                  <a:spcPts val="0"/>
+                </a:spcBef>
+                <a:spcAft>
+                  <a:spcPts val="0"/>
+                </a:spcAft>
+                <a:buClrTx/>
+                <a:buSzTx/>
+                <a:buFontTx/>
+                <a:buNone/>
+                <a:tabLst/>
+                <a:defRPr/>
+              </a:pPr>
+              <a:r>
+                <a:rPr kumimoji="0" lang="de-CH" sz="2600" b="0" i="0" u="none" strike="noStrike" kern="0" cap="none" spc="0" normalizeH="0" baseline="0" noProof="0" dirty="0">
+                  <a:ln>
+                    <a:noFill/>
+                  </a:ln>
+                  <a:solidFill>
+                    <a:srgbClr val="FFFFFF"/>
+                  </a:solidFill>
+                  <a:effectLst/>
+                  <a:uLnTx/>
+                  <a:uFillTx/>
+                  <a:latin typeface="Segoe UI"/>
+                  <a:ea typeface="+mn-ea"/>
+                  <a:cs typeface="Arial" panose="020B0604020202020204" pitchFamily="34" charset="0"/>
+                </a:rPr>
+                <a:t>Metadata</a:t>
+              </a:r>
+              <a:endParaRPr kumimoji="0" lang="en-US" sz="2600" b="0" i="0" u="none" strike="noStrike" kern="0" cap="none" spc="0" normalizeH="0" baseline="0" noProof="0" dirty="0" err="1">
+                <a:ln>
+                  <a:noFill/>
+                </a:ln>
+                <a:solidFill>
+                  <a:srgbClr val="FFFFFF"/>
+                </a:solidFill>
+                <a:effectLst/>
+                <a:uLnTx/>
+                <a:uFillTx/>
+                <a:latin typeface="Segoe UI"/>
+                <a:ea typeface="+mn-ea"/>
+                <a:cs typeface="Arial" panose="020B0604020202020204" pitchFamily="34" charset="0"/>
+              </a:endParaRPr>
+            </a:p>
+          </p:txBody>
+        </p:sp>
+      </p:grpSp>
+    </p:spTree>
+    <p:extLst>
+      <p:ext uri="{BB962C8B-B14F-4D97-AF65-F5344CB8AC3E}">
+        <p14:creationId xmlns:p14="http://schemas.microsoft.com/office/powerpoint/2010/main" val="2354272066"/>
+      </p:ext>
+    </p:extLst>
+  </p:cSld>
+  <p:clrMapOvr>
+    <a:masterClrMapping/>
+  </p:clrMapOvr>
+</p:sld>
+</file>
+
+<file path=ppt/slides/slide6.xml><?xml version="1.0" encoding="utf-8"?>
+<p:sld xmlns:a="http://schemas.openxmlformats.org/drawingml/2006/main" xmlns:r="http://schemas.openxmlformats.org/officeDocument/2006/relationships" xmlns:p="http://schemas.openxmlformats.org/presentationml/2006/main">
+  <p:cSld>
+    <p:spTree>
+      <p:nvGrpSpPr>
+        <p:cNvPr id="1" name=""/>
+        <p:cNvGrpSpPr/>
+        <p:nvPr/>
+      </p:nvGrpSpPr>
+      <p:grpSpPr>
+        <a:xfrm>
+          <a:off x="0" y="0"/>
+          <a:ext cx="0" cy="0"/>
+          <a:chOff x="0" y="0"/>
+          <a:chExt cx="0" cy="0"/>
+        </a:xfrm>
+      </p:grpSpPr>
+      <p:sp>
+        <p:nvSpPr>
+          <p:cNvPr id="2" name="Title 1">
+            <a:extLst>
+              <a:ext uri="{FF2B5EF4-FFF2-40B4-BE49-F238E27FC236}">
+                <a16:creationId xmlns:a16="http://schemas.microsoft.com/office/drawing/2014/main" id="{3DC8F708-ECD6-423D-86F4-37189123CD65}"/>
+              </a:ext>
+            </a:extLst>
+          </p:cNvPr>
+          <p:cNvSpPr>
+            <a:spLocks noGrp="1"/>
+          </p:cNvSpPr>
+          <p:nvPr>
+            <p:ph type="title"/>
+          </p:nvPr>
+        </p:nvSpPr>
+        <p:spPr/>
+        <p:txBody>
+          <a:bodyPr/>
+          <a:lstStyle/>
+          <a:p>
+            <a:r>
+              <a:rPr lang="de-CH" dirty="0"/>
+              <a:t>Angular Komponenten Struktur</a:t>
+            </a:r>
+            <a:endParaRPr lang="en-US" dirty="0"/>
+          </a:p>
+        </p:txBody>
+      </p:sp>
+      <p:sp>
+        <p:nvSpPr>
+          <p:cNvPr id="3" name="Content Placeholder 2">
+            <a:extLst>
+              <a:ext uri="{FF2B5EF4-FFF2-40B4-BE49-F238E27FC236}">
+                <a16:creationId xmlns:a16="http://schemas.microsoft.com/office/drawing/2014/main" id="{5676914D-CAF1-450C-80D7-997263C0672E}"/>
+              </a:ext>
+            </a:extLst>
+          </p:cNvPr>
+          <p:cNvSpPr>
+            <a:spLocks noGrp="1"/>
+          </p:cNvSpPr>
+          <p:nvPr>
+            <p:ph idx="1"/>
+          </p:nvPr>
+        </p:nvSpPr>
+        <p:spPr/>
+        <p:txBody>
+          <a:bodyPr/>
+          <a:lstStyle/>
+          <a:p>
+            <a:endParaRPr lang="en-US"/>
+          </a:p>
+        </p:txBody>
+      </p:sp>
+      <p:grpSp>
+        <p:nvGrpSpPr>
+          <p:cNvPr id="13" name="Group 12">
+            <a:extLst>
+              <a:ext uri="{FF2B5EF4-FFF2-40B4-BE49-F238E27FC236}">
+                <a16:creationId xmlns:a16="http://schemas.microsoft.com/office/drawing/2014/main" id="{FCB98490-8819-42BC-8A92-C0F213EA8DD3}"/>
+              </a:ext>
+            </a:extLst>
+          </p:cNvPr>
+          <p:cNvGrpSpPr/>
+          <p:nvPr/>
+        </p:nvGrpSpPr>
+        <p:grpSpPr>
+          <a:xfrm>
+            <a:off x="1982787" y="1524000"/>
+            <a:ext cx="7913508" cy="4131604"/>
+            <a:chOff x="2375079" y="1430996"/>
+            <a:chExt cx="6706603" cy="3277945"/>
+          </a:xfrm>
+        </p:grpSpPr>
+        <p:cxnSp>
+          <p:nvCxnSpPr>
+            <p:cNvPr id="4" name="Straight Connector 3">
+              <a:extLst>
+                <a:ext uri="{FF2B5EF4-FFF2-40B4-BE49-F238E27FC236}">
+                  <a16:creationId xmlns:a16="http://schemas.microsoft.com/office/drawing/2014/main" id="{C191D1DF-95F5-47EE-AE1E-F9C7C554211A}"/>
+                </a:ext>
+              </a:extLst>
+            </p:cNvPr>
+            <p:cNvCxnSpPr>
+              <a:stCxn id="8" idx="2"/>
+              <a:endCxn id="12" idx="0"/>
+            </p:cNvCxnSpPr>
+            <p:nvPr/>
+          </p:nvCxnSpPr>
+          <p:spPr>
+            <a:xfrm>
+              <a:off x="6391611" y="2101337"/>
+              <a:ext cx="1706574" cy="581249"/>
+            </a:xfrm>
+            <a:prstGeom prst="line">
+              <a:avLst/>
+            </a:prstGeom>
+            <a:ln w="38100">
+              <a:solidFill>
+                <a:schemeClr val="bg2">
+                  <a:lumMod val="25000"/>
+                </a:schemeClr>
+              </a:solidFill>
+            </a:ln>
+          </p:spPr>
+          <p:style>
+            <a:lnRef idx="1">
+              <a:schemeClr val="accent1"/>
+            </a:lnRef>
+            <a:fillRef idx="0">
+              <a:schemeClr val="accent1"/>
+            </a:fillRef>
+            <a:effectRef idx="0">
+              <a:schemeClr val="accent1"/>
+            </a:effectRef>
+            <a:fontRef idx="minor">
+              <a:schemeClr val="tx1"/>
+            </a:fontRef>
+          </p:style>
+        </p:cxnSp>
+        <p:cxnSp>
+          <p:nvCxnSpPr>
+            <p:cNvPr id="5" name="Straight Connector 4">
+              <a:extLst>
+                <a:ext uri="{FF2B5EF4-FFF2-40B4-BE49-F238E27FC236}">
+                  <a16:creationId xmlns:a16="http://schemas.microsoft.com/office/drawing/2014/main" id="{402324EE-8CDD-400D-81D6-0DB62D2AEFF2}"/>
+                </a:ext>
+              </a:extLst>
+            </p:cNvPr>
+            <p:cNvCxnSpPr>
+              <a:stCxn id="8" idx="2"/>
+              <a:endCxn id="9" idx="0"/>
+            </p:cNvCxnSpPr>
+            <p:nvPr/>
+          </p:nvCxnSpPr>
+          <p:spPr>
+            <a:xfrm flipH="1">
+              <a:off x="4638092" y="2101337"/>
+              <a:ext cx="1753519" cy="619035"/>
+            </a:xfrm>
+            <a:prstGeom prst="line">
+              <a:avLst/>
+            </a:prstGeom>
+            <a:ln w="38100">
+              <a:solidFill>
+                <a:schemeClr val="bg2">
+                  <a:lumMod val="25000"/>
+                </a:schemeClr>
+              </a:solidFill>
+            </a:ln>
+          </p:spPr>
+          <p:style>
+            <a:lnRef idx="1">
+              <a:schemeClr val="accent1"/>
+            </a:lnRef>
+            <a:fillRef idx="0">
+              <a:schemeClr val="accent1"/>
+            </a:fillRef>
+            <a:effectRef idx="0">
+              <a:schemeClr val="accent1"/>
+            </a:effectRef>
+            <a:fontRef idx="minor">
+              <a:schemeClr val="tx1"/>
+            </a:fontRef>
+          </p:style>
+        </p:cxnSp>
+        <p:cxnSp>
+          <p:nvCxnSpPr>
+            <p:cNvPr id="6" name="Straight Connector 5">
+              <a:extLst>
+                <a:ext uri="{FF2B5EF4-FFF2-40B4-BE49-F238E27FC236}">
+                  <a16:creationId xmlns:a16="http://schemas.microsoft.com/office/drawing/2014/main" id="{6F87D65B-EF5E-45F3-BDCE-F4E8F2C7F7B0}"/>
+                </a:ext>
+              </a:extLst>
+            </p:cNvPr>
+            <p:cNvCxnSpPr>
+              <a:stCxn id="9" idx="2"/>
+              <a:endCxn id="10" idx="0"/>
+            </p:cNvCxnSpPr>
+            <p:nvPr/>
+          </p:nvCxnSpPr>
+          <p:spPr>
+            <a:xfrm flipH="1">
+              <a:off x="3358576" y="3390713"/>
+              <a:ext cx="1279516" cy="647887"/>
+            </a:xfrm>
+            <a:prstGeom prst="line">
+              <a:avLst/>
+            </a:prstGeom>
+            <a:ln w="38100">
+              <a:solidFill>
+                <a:schemeClr val="bg2">
+                  <a:lumMod val="25000"/>
+                </a:schemeClr>
+              </a:solidFill>
+            </a:ln>
+          </p:spPr>
+          <p:style>
+            <a:lnRef idx="1">
+              <a:schemeClr val="accent1"/>
+            </a:lnRef>
+            <a:fillRef idx="0">
+              <a:schemeClr val="accent1"/>
+            </a:fillRef>
+            <a:effectRef idx="0">
+              <a:schemeClr val="accent1"/>
+            </a:effectRef>
+            <a:fontRef idx="minor">
+              <a:schemeClr val="tx1"/>
+            </a:fontRef>
+          </p:style>
+        </p:cxnSp>
+        <p:cxnSp>
+          <p:nvCxnSpPr>
+            <p:cNvPr id="7" name="Straight Connector 6">
+              <a:extLst>
+                <a:ext uri="{FF2B5EF4-FFF2-40B4-BE49-F238E27FC236}">
+                  <a16:creationId xmlns:a16="http://schemas.microsoft.com/office/drawing/2014/main" id="{EE1F9F29-D056-4A26-AB25-A039C71467F3}"/>
+                </a:ext>
+              </a:extLst>
+            </p:cNvPr>
+            <p:cNvCxnSpPr>
+              <a:stCxn id="9" idx="2"/>
+              <a:endCxn id="11" idx="0"/>
+            </p:cNvCxnSpPr>
+            <p:nvPr/>
+          </p:nvCxnSpPr>
+          <p:spPr>
+            <a:xfrm>
+              <a:off x="4638092" y="3390713"/>
+              <a:ext cx="1299992" cy="647887"/>
+            </a:xfrm>
+            <a:prstGeom prst="line">
+              <a:avLst/>
+            </a:prstGeom>
+            <a:ln w="38100">
+              <a:solidFill>
+                <a:schemeClr val="bg2">
+                  <a:lumMod val="25000"/>
+                </a:schemeClr>
+              </a:solidFill>
+            </a:ln>
+          </p:spPr>
+          <p:style>
+            <a:lnRef idx="1">
+              <a:schemeClr val="accent1"/>
+            </a:lnRef>
+            <a:fillRef idx="0">
+              <a:schemeClr val="accent1"/>
+            </a:fillRef>
+            <a:effectRef idx="0">
+              <a:schemeClr val="accent1"/>
+            </a:effectRef>
+            <a:fontRef idx="minor">
+              <a:schemeClr val="tx1"/>
+            </a:fontRef>
+          </p:style>
+        </p:cxnSp>
+        <p:sp>
+          <p:nvSpPr>
+            <p:cNvPr id="8" name="Rectangle 7">
+              <a:extLst>
+                <a:ext uri="{FF2B5EF4-FFF2-40B4-BE49-F238E27FC236}">
+                  <a16:creationId xmlns:a16="http://schemas.microsoft.com/office/drawing/2014/main" id="{F1FF8972-F96E-4BCF-8155-38890080663F}"/>
+                </a:ext>
+              </a:extLst>
+            </p:cNvPr>
+            <p:cNvSpPr/>
+            <p:nvPr/>
+          </p:nvSpPr>
+          <p:spPr>
+            <a:xfrm>
+              <a:off x="5408114" y="1430996"/>
+              <a:ext cx="1966994" cy="670341"/>
+            </a:xfrm>
+            <a:prstGeom prst="rect">
+              <a:avLst/>
+            </a:prstGeom>
+            <a:solidFill>
+              <a:srgbClr val="00B0F0"/>
+            </a:solidFill>
+            <a:ln w="9525">
+              <a:solidFill>
+                <a:schemeClr val="tx2"/>
+              </a:solidFill>
+            </a:ln>
+          </p:spPr>
+          <p:style>
+            <a:lnRef idx="2">
+              <a:schemeClr val="accent1">
+                <a:shade val="50000"/>
+              </a:schemeClr>
+            </a:lnRef>
+            <a:fillRef idx="1">
+              <a:schemeClr val="accent1"/>
+            </a:fillRef>
+            <a:effectRef idx="0">
+              <a:schemeClr val="accent1"/>
+            </a:effectRef>
+            <a:fontRef idx="minor">
+              <a:schemeClr val="lt1"/>
+            </a:fontRef>
+          </p:style>
+          <p:txBody>
+            <a:bodyPr rtlCol="0" anchor="ctr"/>
+            <a:lstStyle/>
+            <a:p>
+              <a:pPr algn="ctr"/>
+              <a:r>
+                <a:rPr lang="de-CH" sz="2600" b="1" dirty="0">
+                  <a:solidFill>
+                    <a:schemeClr val="bg1"/>
+                  </a:solidFill>
+                  <a:latin typeface="Arial" panose="020B0604020202020204" pitchFamily="34" charset="0"/>
+                  <a:cs typeface="Arial" panose="020B0604020202020204" pitchFamily="34" charset="0"/>
+                </a:rPr>
+                <a:t>Component</a:t>
+              </a:r>
+              <a:endParaRPr lang="en-US" sz="2600" b="1" dirty="0" err="1">
+                <a:solidFill>
+                  <a:schemeClr val="bg1"/>
+                </a:solidFill>
+                <a:latin typeface="Arial" panose="020B0604020202020204" pitchFamily="34" charset="0"/>
+                <a:cs typeface="Arial" panose="020B0604020202020204" pitchFamily="34" charset="0"/>
+              </a:endParaRPr>
+            </a:p>
+          </p:txBody>
+        </p:sp>
+        <p:sp>
+          <p:nvSpPr>
+            <p:cNvPr id="9" name="Rectangle 8">
+              <a:extLst>
+                <a:ext uri="{FF2B5EF4-FFF2-40B4-BE49-F238E27FC236}">
+                  <a16:creationId xmlns:a16="http://schemas.microsoft.com/office/drawing/2014/main" id="{1C7DDD2B-F19C-4023-A610-34BFE8DB689C}"/>
+                </a:ext>
+              </a:extLst>
+            </p:cNvPr>
+            <p:cNvSpPr/>
+            <p:nvPr/>
+          </p:nvSpPr>
+          <p:spPr>
+            <a:xfrm>
+              <a:off x="3654595" y="2720372"/>
+              <a:ext cx="1966994" cy="670341"/>
+            </a:xfrm>
+            <a:prstGeom prst="rect">
+              <a:avLst/>
+            </a:prstGeom>
+            <a:solidFill>
+              <a:srgbClr val="00B0F0"/>
+            </a:solidFill>
+            <a:ln w="9525">
+              <a:solidFill>
+                <a:schemeClr val="tx2"/>
+              </a:solidFill>
+            </a:ln>
+          </p:spPr>
+          <p:style>
+            <a:lnRef idx="2">
+              <a:schemeClr val="accent1">
+                <a:shade val="50000"/>
+              </a:schemeClr>
+            </a:lnRef>
+            <a:fillRef idx="1">
+              <a:schemeClr val="accent1"/>
+            </a:fillRef>
+            <a:effectRef idx="0">
+              <a:schemeClr val="accent1"/>
+            </a:effectRef>
+            <a:fontRef idx="minor">
+              <a:schemeClr val="lt1"/>
+            </a:fontRef>
+          </p:style>
+          <p:txBody>
+            <a:bodyPr rtlCol="0" anchor="ctr"/>
+            <a:lstStyle/>
+            <a:p>
+              <a:pPr algn="ctr"/>
+              <a:r>
+                <a:rPr lang="de-CH" sz="2600" b="1" dirty="0">
+                  <a:solidFill>
+                    <a:schemeClr val="bg1"/>
+                  </a:solidFill>
+                  <a:latin typeface="Arial" panose="020B0604020202020204" pitchFamily="34" charset="0"/>
+                  <a:cs typeface="Arial" panose="020B0604020202020204" pitchFamily="34" charset="0"/>
+                </a:rPr>
+                <a:t>Component</a:t>
+              </a:r>
+              <a:endParaRPr lang="en-US" sz="2600" b="1" dirty="0" err="1">
+                <a:solidFill>
+                  <a:schemeClr val="bg1"/>
+                </a:solidFill>
+                <a:latin typeface="Arial" panose="020B0604020202020204" pitchFamily="34" charset="0"/>
+                <a:cs typeface="Arial" panose="020B0604020202020204" pitchFamily="34" charset="0"/>
+              </a:endParaRPr>
+            </a:p>
+          </p:txBody>
+        </p:sp>
+        <p:sp>
+          <p:nvSpPr>
+            <p:cNvPr id="10" name="Rectangle 9">
+              <a:extLst>
+                <a:ext uri="{FF2B5EF4-FFF2-40B4-BE49-F238E27FC236}">
+                  <a16:creationId xmlns:a16="http://schemas.microsoft.com/office/drawing/2014/main" id="{BF16686F-6196-4AC2-AA60-864CDDA21EE0}"/>
+                </a:ext>
+              </a:extLst>
+            </p:cNvPr>
+            <p:cNvSpPr/>
+            <p:nvPr/>
+          </p:nvSpPr>
+          <p:spPr>
+            <a:xfrm>
+              <a:off x="2375079" y="4038600"/>
+              <a:ext cx="1966994" cy="670341"/>
+            </a:xfrm>
+            <a:prstGeom prst="rect">
+              <a:avLst/>
+            </a:prstGeom>
+            <a:solidFill>
+              <a:srgbClr val="00B0F0"/>
+            </a:solidFill>
+            <a:ln w="9525">
+              <a:solidFill>
+                <a:schemeClr val="tx2"/>
+              </a:solidFill>
+            </a:ln>
+          </p:spPr>
+          <p:style>
+            <a:lnRef idx="2">
+              <a:schemeClr val="accent1">
+                <a:shade val="50000"/>
+              </a:schemeClr>
+            </a:lnRef>
+            <a:fillRef idx="1">
+              <a:schemeClr val="accent1"/>
+            </a:fillRef>
+            <a:effectRef idx="0">
+              <a:schemeClr val="accent1"/>
+            </a:effectRef>
+            <a:fontRef idx="minor">
+              <a:schemeClr val="lt1"/>
+            </a:fontRef>
+          </p:style>
+          <p:txBody>
+            <a:bodyPr rtlCol="0" anchor="ctr"/>
+            <a:lstStyle/>
+            <a:p>
+              <a:pPr algn="ctr"/>
+              <a:r>
+                <a:rPr lang="de-CH" sz="2600" b="1" dirty="0">
+                  <a:solidFill>
+                    <a:schemeClr val="bg1"/>
+                  </a:solidFill>
+                  <a:latin typeface="Arial" panose="020B0604020202020204" pitchFamily="34" charset="0"/>
+                  <a:cs typeface="Arial" panose="020B0604020202020204" pitchFamily="34" charset="0"/>
+                </a:rPr>
+                <a:t>Component</a:t>
+              </a:r>
+              <a:endParaRPr lang="en-US" sz="2600" b="1" dirty="0" err="1">
+                <a:solidFill>
+                  <a:schemeClr val="bg1"/>
+                </a:solidFill>
+                <a:latin typeface="Arial" panose="020B0604020202020204" pitchFamily="34" charset="0"/>
+                <a:cs typeface="Arial" panose="020B0604020202020204" pitchFamily="34" charset="0"/>
+              </a:endParaRPr>
+            </a:p>
+          </p:txBody>
+        </p:sp>
+        <p:sp>
+          <p:nvSpPr>
+            <p:cNvPr id="11" name="Rectangle 10">
+              <a:extLst>
+                <a:ext uri="{FF2B5EF4-FFF2-40B4-BE49-F238E27FC236}">
+                  <a16:creationId xmlns:a16="http://schemas.microsoft.com/office/drawing/2014/main" id="{B7F62439-8DBC-464B-A654-3CC9E12F3FE1}"/>
+                </a:ext>
+              </a:extLst>
+            </p:cNvPr>
+            <p:cNvSpPr/>
+            <p:nvPr/>
+          </p:nvSpPr>
+          <p:spPr>
+            <a:xfrm>
+              <a:off x="4954587" y="4038600"/>
+              <a:ext cx="1966994" cy="670341"/>
+            </a:xfrm>
+            <a:prstGeom prst="rect">
+              <a:avLst/>
+            </a:prstGeom>
+            <a:solidFill>
+              <a:srgbClr val="00B0F0"/>
+            </a:solidFill>
+            <a:ln w="9525">
+              <a:solidFill>
+                <a:schemeClr val="tx2"/>
+              </a:solidFill>
+            </a:ln>
+          </p:spPr>
+          <p:style>
+            <a:lnRef idx="2">
+              <a:schemeClr val="accent1">
+                <a:shade val="50000"/>
+              </a:schemeClr>
+            </a:lnRef>
+            <a:fillRef idx="1">
+              <a:schemeClr val="accent1"/>
+            </a:fillRef>
+            <a:effectRef idx="0">
+              <a:schemeClr val="accent1"/>
+            </a:effectRef>
+            <a:fontRef idx="minor">
+              <a:schemeClr val="lt1"/>
+            </a:fontRef>
+          </p:style>
+          <p:txBody>
+            <a:bodyPr rtlCol="0" anchor="ctr"/>
+            <a:lstStyle/>
+            <a:p>
+              <a:pPr algn="ctr"/>
+              <a:r>
+                <a:rPr lang="de-CH" sz="2600" b="1" dirty="0">
+                  <a:solidFill>
+                    <a:schemeClr val="bg1"/>
+                  </a:solidFill>
+                  <a:latin typeface="Arial" panose="020B0604020202020204" pitchFamily="34" charset="0"/>
+                  <a:cs typeface="Arial" panose="020B0604020202020204" pitchFamily="34" charset="0"/>
+                </a:rPr>
+                <a:t>Component</a:t>
+              </a:r>
+              <a:endParaRPr lang="en-US" sz="2600" b="1" dirty="0" err="1">
+                <a:solidFill>
+                  <a:schemeClr val="bg1"/>
+                </a:solidFill>
+                <a:latin typeface="Arial" panose="020B0604020202020204" pitchFamily="34" charset="0"/>
+                <a:cs typeface="Arial" panose="020B0604020202020204" pitchFamily="34" charset="0"/>
+              </a:endParaRPr>
+            </a:p>
+          </p:txBody>
+        </p:sp>
+        <p:sp>
+          <p:nvSpPr>
+            <p:cNvPr id="12" name="Rectangle 11">
+              <a:extLst>
+                <a:ext uri="{FF2B5EF4-FFF2-40B4-BE49-F238E27FC236}">
+                  <a16:creationId xmlns:a16="http://schemas.microsoft.com/office/drawing/2014/main" id="{AB904E3C-2100-4E6D-8354-9E72AA61399F}"/>
+                </a:ext>
+              </a:extLst>
+            </p:cNvPr>
+            <p:cNvSpPr/>
+            <p:nvPr/>
+          </p:nvSpPr>
+          <p:spPr>
+            <a:xfrm>
+              <a:off x="7114688" y="2682586"/>
+              <a:ext cx="1966994" cy="670341"/>
+            </a:xfrm>
+            <a:prstGeom prst="rect">
+              <a:avLst/>
+            </a:prstGeom>
+            <a:solidFill>
+              <a:srgbClr val="00B0F0"/>
+            </a:solidFill>
+            <a:ln w="38100">
+              <a:noFill/>
+            </a:ln>
+          </p:spPr>
+          <p:style>
+            <a:lnRef idx="2">
+              <a:schemeClr val="accent1">
+                <a:shade val="50000"/>
+              </a:schemeClr>
+            </a:lnRef>
+            <a:fillRef idx="1">
+              <a:schemeClr val="accent1"/>
+            </a:fillRef>
+            <a:effectRef idx="0">
+              <a:schemeClr val="accent1"/>
+            </a:effectRef>
+            <a:fontRef idx="minor">
+              <a:schemeClr val="lt1"/>
+            </a:fontRef>
+          </p:style>
+          <p:txBody>
+            <a:bodyPr rtlCol="0" anchor="ctr"/>
+            <a:lstStyle/>
+            <a:p>
+              <a:pPr algn="ctr"/>
+              <a:r>
+                <a:rPr lang="de-CH" sz="2600" b="1" dirty="0">
+                  <a:solidFill>
+                    <a:schemeClr val="bg1"/>
+                  </a:solidFill>
+                  <a:latin typeface="Arial" panose="020B0604020202020204" pitchFamily="34" charset="0"/>
+                  <a:cs typeface="Arial" panose="020B0604020202020204" pitchFamily="34" charset="0"/>
+                </a:rPr>
+                <a:t>Component</a:t>
+              </a:r>
+              <a:endParaRPr lang="en-US" sz="2600" b="1" dirty="0" err="1">
+                <a:solidFill>
+                  <a:schemeClr val="bg1"/>
+                </a:solidFill>
+                <a:latin typeface="Arial" panose="020B0604020202020204" pitchFamily="34" charset="0"/>
+                <a:cs typeface="Arial" panose="020B0604020202020204" pitchFamily="34" charset="0"/>
+              </a:endParaRPr>
+            </a:p>
+          </p:txBody>
+        </p:sp>
+      </p:grpSp>
+    </p:spTree>
+    <p:extLst>
+      <p:ext uri="{BB962C8B-B14F-4D97-AF65-F5344CB8AC3E}">
+        <p14:creationId xmlns:p14="http://schemas.microsoft.com/office/powerpoint/2010/main" val="139034874"/>
+      </p:ext>
+    </p:extLst>
+  </p:cSld>
+  <p:clrMapOvr>
+    <a:masterClrMapping/>
+  </p:clrMapOvr>
+</p:sld>
+</file>
+
+<file path=ppt/slides/slide7.xml><?xml version="1.0" encoding="utf-8"?>
+<p:sld xmlns:a="http://schemas.openxmlformats.org/drawingml/2006/main" xmlns:r="http://schemas.openxmlformats.org/officeDocument/2006/relationships" xmlns:p="http://schemas.openxmlformats.org/presentationml/2006/main">
+  <p:cSld>
+    <p:spTree>
+      <p:nvGrpSpPr>
+        <p:cNvPr id="1" name=""/>
+        <p:cNvGrpSpPr/>
+        <p:nvPr/>
+      </p:nvGrpSpPr>
+      <p:grpSpPr>
+        <a:xfrm>
+          <a:off x="0" y="0"/>
+          <a:ext cx="0" cy="0"/>
+          <a:chOff x="0" y="0"/>
+          <a:chExt cx="0" cy="0"/>
+        </a:xfrm>
+      </p:grpSpPr>
+      <p:sp>
+        <p:nvSpPr>
           <p:cNvPr id="2" name="Title 1"/>
           <p:cNvSpPr>
             <a:spLocks noGrp="1"/>
@@ -3836,7 +5686,12 @@
             <p:ph idx="1"/>
           </p:nvPr>
         </p:nvSpPr>
-        <p:spPr/>
+        <p:spPr>
+          <a:xfrm>
+            <a:off x="914400" y="1295400"/>
+            <a:ext cx="10366375" cy="4648200"/>
+          </a:xfrm>
+        </p:spPr>
         <p:txBody>
           <a:bodyPr/>
           <a:lstStyle/>
@@ -4065,7 +5920,7 @@
         </p:nvCxnSpPr>
         <p:spPr bwMode="auto">
           <a:xfrm>
-            <a:off x="992187" y="2209800"/>
+            <a:off x="992187" y="1905000"/>
             <a:ext cx="10288588" cy="0"/>
           </a:xfrm>
           <a:prstGeom prst="line">
@@ -4107,7 +5962,7 @@
         </p:nvCxnSpPr>
         <p:spPr bwMode="auto">
           <a:xfrm>
-            <a:off x="992187" y="3276600"/>
+            <a:off x="992187" y="2971800"/>
             <a:ext cx="10288588" cy="0"/>
           </a:xfrm>
           <a:prstGeom prst="line">
@@ -4149,7 +6004,7 @@
         </p:nvCxnSpPr>
         <p:spPr bwMode="auto">
           <a:xfrm>
-            <a:off x="992187" y="4343400"/>
+            <a:off x="992187" y="4038600"/>
             <a:ext cx="10288588" cy="0"/>
           </a:xfrm>
           <a:prstGeom prst="line">
@@ -4194,7 +6049,7 @@
 </p:sld>
 </file>
 
-<file path=ppt/slides/slide5.xml><?xml version="1.0" encoding="utf-8"?>
+<file path=ppt/slides/slide8.xml><?xml version="1.0" encoding="utf-8"?>
 <p:sld xmlns:a="http://schemas.openxmlformats.org/drawingml/2006/main" xmlns:r="http://schemas.openxmlformats.org/officeDocument/2006/relationships" xmlns:p="http://schemas.openxmlformats.org/presentationml/2006/main">
   <p:cSld>
     <p:spTree>
@@ -4246,7 +6101,7 @@
 </p:sld>
 </file>
 
-<file path=ppt/slides/slide6.xml><?xml version="1.0" encoding="utf-8"?>
+<file path=ppt/slides/slide9.xml><?xml version="1.0" encoding="utf-8"?>
 <p:sld xmlns:a="http://schemas.openxmlformats.org/drawingml/2006/main" xmlns:r="http://schemas.openxmlformats.org/officeDocument/2006/relationships" xmlns:p="http://schemas.openxmlformats.org/presentationml/2006/main">
   <p:cSld>
     <p:spTree>
